--- a/Milestone4 Presentation3.pptx
+++ b/Milestone4 Presentation3.pptx
@@ -4914,7 +4914,7 @@
             </a:r>
             <a:r>
               <a:rPr lang="en-US" dirty="0" err="1"/>
-              <a:t>algrithm</a:t>
+              <a:t>algoryithm</a:t>
             </a:r>
             <a:r>
               <a:rPr lang="en-US" dirty="0"/>
@@ -5168,27 +5168,37 @@
             <a:pPr lvl="1"/>
             <a:r>
               <a:rPr lang="en-US" sz="2400" dirty="0"/>
-              <a:t>Worker: </a:t>
-            </a:r>
-            <a:r>
-              <a:rPr lang="de-DE" sz="2400" dirty="0" err="1"/>
+              <a:t>Worker</a:t>
+            </a:r>
+          </a:p>
+          <a:p>
+            <a:pPr lvl="2"/>
+            <a:r>
+              <a:rPr lang="de-DE" sz="2200" dirty="0" err="1"/>
               <a:t>doing</a:t>
             </a:r>
             <a:r>
-              <a:rPr lang="de-DE" sz="2400" dirty="0"/>
+              <a:rPr lang="de-DE" sz="2200" dirty="0"/>
               <a:t> </a:t>
             </a:r>
             <a:r>
-              <a:rPr lang="de-DE" sz="2400" dirty="0" err="1"/>
+              <a:rPr lang="de-DE" sz="2200" dirty="0" err="1"/>
               <a:t>tasks</a:t>
             </a:r>
-            <a:endParaRPr lang="en-US" sz="2400" dirty="0"/>
+            <a:endParaRPr lang="en-US" sz="2200" dirty="0"/>
           </a:p>
           <a:p>
             <a:pPr lvl="1"/>
             <a:r>
               <a:rPr lang="en-US" sz="2400" dirty="0"/>
-              <a:t>Scout :discovering the map, when fully discovered switch to worker</a:t>
+              <a:t>Scout </a:t>
+            </a:r>
+          </a:p>
+          <a:p>
+            <a:pPr lvl="2"/>
+            <a:r>
+              <a:rPr lang="en-US" sz="2200" dirty="0"/>
+              <a:t>discovering the map, when fully discovered switch to worker</a:t>
             </a:r>
           </a:p>
           <a:p>

--- a/Milestone4 Presentation3.pptx
+++ b/Milestone4 Presentation3.pptx
@@ -4894,75 +4894,81 @@
           <a:lstStyle/>
           <a:p>
             <a:r>
-              <a:rPr lang="en-US" dirty="0"/>
+              <a:rPr lang="en-US" sz="2400" dirty="0"/>
               <a:t>Getting the new server running</a:t>
             </a:r>
           </a:p>
           <a:p>
             <a:pPr lvl="1"/>
             <a:r>
-              <a:rPr lang="en-US" dirty="0"/>
+              <a:rPr lang="en-US" sz="2200" dirty="0"/>
               <a:t>with the new coordinate system implement a </a:t>
             </a:r>
             <a:r>
-              <a:rPr lang="en-US" dirty="0" err="1"/>
+              <a:rPr lang="en-US" sz="2200" dirty="0" err="1"/>
               <a:t>usefull</a:t>
             </a:r>
             <a:r>
-              <a:rPr lang="en-US" dirty="0"/>
+              <a:rPr lang="en-US" sz="2200" dirty="0"/>
               <a:t> movement </a:t>
             </a:r>
             <a:r>
-              <a:rPr lang="en-US" dirty="0" err="1"/>
+              <a:rPr lang="en-US" sz="2200" dirty="0" err="1"/>
               <a:t>algoryithm</a:t>
             </a:r>
             <a:r>
-              <a:rPr lang="en-US" dirty="0"/>
+              <a:rPr lang="en-US" sz="2200" dirty="0"/>
               <a:t> like A* as java function</a:t>
             </a:r>
           </a:p>
           <a:p>
             <a:r>
-              <a:rPr lang="en-US" dirty="0"/>
+              <a:rPr lang="en-US" sz="2400" dirty="0"/>
+              <a:t>Improve the rotation function</a:t>
+            </a:r>
+          </a:p>
+          <a:p>
+            <a:r>
+              <a:rPr lang="en-US" sz="2400" dirty="0"/>
               <a:t>getting the ?task(_,_,_,_) to work properly</a:t>
             </a:r>
           </a:p>
           <a:p>
             <a:r>
-              <a:rPr lang="de-DE" dirty="0" err="1"/>
+              <a:rPr lang="de-DE" sz="2400" dirty="0" err="1"/>
               <a:t>Mapknowlegde</a:t>
             </a:r>
-            <a:endParaRPr lang="en-US" dirty="0"/>
+            <a:endParaRPr lang="en-US" sz="2400" dirty="0"/>
           </a:p>
           <a:p>
             <a:pPr lvl="1"/>
             <a:r>
-              <a:rPr lang="en-US" dirty="0"/>
+              <a:rPr lang="en-US" sz="2200" dirty="0"/>
               <a:t>-Agents can store positions of </a:t>
             </a:r>
             <a:r>
-              <a:rPr lang="en-US" dirty="0" err="1"/>
+              <a:rPr lang="en-US" sz="2200" dirty="0" err="1"/>
               <a:t>PointsOfInterest</a:t>
             </a:r>
             <a:r>
-              <a:rPr lang="en-US" dirty="0"/>
+              <a:rPr lang="en-US" sz="2200" dirty="0"/>
               <a:t> (POIs)</a:t>
             </a:r>
           </a:p>
           <a:p>
             <a:pPr lvl="2"/>
             <a:r>
-              <a:rPr lang="en-US" dirty="0"/>
+              <a:rPr lang="en-US" sz="2100" dirty="0"/>
               <a:t>Storing positions of important entities</a:t>
             </a:r>
           </a:p>
           <a:p>
             <a:pPr lvl="2"/>
             <a:r>
-              <a:rPr lang="en-US" dirty="0"/>
+              <a:rPr lang="en-US" sz="2100" dirty="0"/>
               <a:t>agents can move to any stored location</a:t>
             </a:r>
-            <a:endParaRPr lang="de-DE" dirty="0"/>
+            <a:endParaRPr lang="de-DE" sz="2100" dirty="0"/>
           </a:p>
         </p:txBody>
       </p:sp>
